--- a/docs/hermes.pptx
+++ b/docs/hermes.pptx
@@ -107,6 +107,11 @@
       </a:defRPr>
     </a:lvl9pPr>
   </p:defaultTextStyle>
+  <p:extLst>
+    <p:ext uri="{EFAFB233-063F-42B5-8137-9DF3F51BA10A}">
+      <p15:sldGuideLst xmlns:p15="http://schemas.microsoft.com/office/powerpoint/2012/main"/>
+    </p:ext>
+  </p:extLst>
 </p:presentation>
 </file>
 
@@ -264,7 +269,7 @@
           <a:p>
             <a:fld id="{11EAACC7-3B3F-47D1-959A-EF58926E955E}" type="datetimeFigureOut">
               <a:rPr lang="en-US" smtClean="0"/>
-              <a:t>10-Apr-23</a:t>
+              <a:t>03-May-23</a:t>
             </a:fld>
             <a:endParaRPr lang="en-US"/>
           </a:p>
@@ -462,7 +467,7 @@
           <a:p>
             <a:fld id="{11EAACC7-3B3F-47D1-959A-EF58926E955E}" type="datetimeFigureOut">
               <a:rPr lang="en-US" smtClean="0"/>
-              <a:t>10-Apr-23</a:t>
+              <a:t>03-May-23</a:t>
             </a:fld>
             <a:endParaRPr lang="en-US"/>
           </a:p>
@@ -670,7 +675,7 @@
           <a:p>
             <a:fld id="{11EAACC7-3B3F-47D1-959A-EF58926E955E}" type="datetimeFigureOut">
               <a:rPr lang="en-US" smtClean="0"/>
-              <a:t>10-Apr-23</a:t>
+              <a:t>03-May-23</a:t>
             </a:fld>
             <a:endParaRPr lang="en-US"/>
           </a:p>
@@ -899,7 +904,7 @@
           <a:p>
             <a:fld id="{11EAACC7-3B3F-47D1-959A-EF58926E955E}" type="datetimeFigureOut">
               <a:rPr lang="en-US" smtClean="0"/>
-              <a:t>10-Apr-23</a:t>
+              <a:t>03-May-23</a:t>
             </a:fld>
             <a:endParaRPr lang="en-US" dirty="0"/>
           </a:p>
@@ -1174,7 +1179,7 @@
           <a:p>
             <a:fld id="{11EAACC7-3B3F-47D1-959A-EF58926E955E}" type="datetimeFigureOut">
               <a:rPr lang="en-US" smtClean="0"/>
-              <a:t>10-Apr-23</a:t>
+              <a:t>03-May-23</a:t>
             </a:fld>
             <a:endParaRPr lang="en-US"/>
           </a:p>
@@ -1440,7 +1445,7 @@
           <a:p>
             <a:fld id="{11EAACC7-3B3F-47D1-959A-EF58926E955E}" type="datetimeFigureOut">
               <a:rPr lang="en-US" smtClean="0"/>
-              <a:t>10-Apr-23</a:t>
+              <a:t>03-May-23</a:t>
             </a:fld>
             <a:endParaRPr lang="en-US"/>
           </a:p>
@@ -1857,7 +1862,7 @@
           <a:p>
             <a:fld id="{11EAACC7-3B3F-47D1-959A-EF58926E955E}" type="datetimeFigureOut">
               <a:rPr lang="en-US" smtClean="0"/>
-              <a:t>10-Apr-23</a:t>
+              <a:t>03-May-23</a:t>
             </a:fld>
             <a:endParaRPr lang="en-US"/>
           </a:p>
@@ -1998,7 +2003,7 @@
           <a:p>
             <a:fld id="{11EAACC7-3B3F-47D1-959A-EF58926E955E}" type="datetimeFigureOut">
               <a:rPr lang="en-US" smtClean="0"/>
-              <a:t>10-Apr-23</a:t>
+              <a:t>03-May-23</a:t>
             </a:fld>
             <a:endParaRPr lang="en-US"/>
           </a:p>
@@ -2111,7 +2116,7 @@
           <a:p>
             <a:fld id="{11EAACC7-3B3F-47D1-959A-EF58926E955E}" type="datetimeFigureOut">
               <a:rPr lang="en-US" smtClean="0"/>
-              <a:t>10-Apr-23</a:t>
+              <a:t>03-May-23</a:t>
             </a:fld>
             <a:endParaRPr lang="en-US"/>
           </a:p>
@@ -2422,7 +2427,7 @@
           <a:p>
             <a:fld id="{11EAACC7-3B3F-47D1-959A-EF58926E955E}" type="datetimeFigureOut">
               <a:rPr lang="en-US" smtClean="0"/>
-              <a:t>10-Apr-23</a:t>
+              <a:t>03-May-23</a:t>
             </a:fld>
             <a:endParaRPr lang="en-US"/>
           </a:p>
@@ -2713,7 +2718,7 @@
           <a:p>
             <a:fld id="{11EAACC7-3B3F-47D1-959A-EF58926E955E}" type="datetimeFigureOut">
               <a:rPr lang="en-US" smtClean="0"/>
-              <a:t>10-Apr-23</a:t>
+              <a:t>03-May-23</a:t>
             </a:fld>
             <a:endParaRPr lang="en-US"/>
           </a:p>
@@ -3270,7 +3275,7 @@
           <a:p>
             <a:fld id="{11EAACC7-3B3F-47D1-959A-EF58926E955E}" type="datetimeFigureOut">
               <a:rPr lang="en-US" smtClean="0"/>
-              <a:t>10-Apr-23</a:t>
+              <a:t>03-May-23</a:t>
             </a:fld>
             <a:endParaRPr lang="en-US"/>
           </a:p>
@@ -4332,7 +4337,7 @@
       </p:cxnSp>
       <p:pic>
         <p:nvPicPr>
-          <p:cNvPr id="5" name="Picture 4" descr="A close-up of a computer chip&#10;&#10;Description automatically generated with medium confidence">
+          <p:cNvPr id="5" name="Picture 4">
             <a:extLst>
               <a:ext uri="{FF2B5EF4-FFF2-40B4-BE49-F238E27FC236}">
                 <a16:creationId xmlns:a16="http://schemas.microsoft.com/office/drawing/2014/main" id="{62075DE0-E9C4-4738-16F7-1BD47C39E8B7}"/>
@@ -4352,14 +4357,13 @@
               </a:ext>
             </a:extLst>
           </a:blip>
-          <a:stretch>
-            <a:fillRect/>
-          </a:stretch>
+          <a:srcRect/>
+          <a:stretch/>
         </p:blipFill>
         <p:spPr>
           <a:xfrm>
-            <a:off x="533400" y="1642014"/>
-            <a:ext cx="5562600" cy="3573970"/>
+            <a:off x="1341377" y="1642014"/>
+            <a:ext cx="3946646" cy="3573970"/>
           </a:xfrm>
           <a:prstGeom prst="rect">
             <a:avLst/>
@@ -4384,8 +4388,8 @@
         </p:nvSpPr>
         <p:spPr>
           <a:xfrm>
-            <a:off x="6681789" y="2290762"/>
-            <a:ext cx="4572428" cy="4033837"/>
+            <a:off x="6681788" y="2290762"/>
+            <a:ext cx="4920687" cy="4033837"/>
           </a:xfrm>
         </p:spPr>
         <p:txBody>
@@ -4396,63 +4400,77 @@
           <a:p>
             <a:r>
               <a:rPr lang="en-US" dirty="0"/>
-              <a:t>Orange Pi 5</a:t>
+              <a:t>Jetson AGX Xavier</a:t>
             </a:r>
           </a:p>
           <a:p>
             <a:pPr lvl="1"/>
             <a:r>
               <a:rPr lang="en-US" dirty="0"/>
-              <a:t>CPU: 8-core x64 architecture:</a:t>
+              <a:t>CPU: 8-core NVIDIA Carmel Armv8.2 64-bit </a:t>
             </a:r>
           </a:p>
           <a:p>
             <a:pPr lvl="2"/>
             <a:r>
               <a:rPr lang="en-US" dirty="0"/>
-              <a:t>4 Cortex-A76 @ 2.4GHz</a:t>
+              <a:t>8MB L2</a:t>
             </a:r>
           </a:p>
           <a:p>
             <a:pPr lvl="2"/>
             <a:r>
               <a:rPr lang="en-US" dirty="0"/>
-              <a:t>4 Cortex-A55 @ 1.8GHz</a:t>
+              <a:t>4MB L3</a:t>
             </a:r>
           </a:p>
           <a:p>
             <a:pPr lvl="1"/>
             <a:r>
               <a:rPr lang="en-US" dirty="0"/>
-              <a:t>GPU: ARM Mali-G610:</a:t>
+              <a:t>GPU: NVIDIA Volta™ architecture </a:t>
             </a:r>
           </a:p>
           <a:p>
             <a:pPr lvl="2"/>
             <a:r>
               <a:rPr lang="en-US" dirty="0"/>
-              <a:t>Mid-range GPU for smartphones and other mobile devices</a:t>
+              <a:t>512 NVIDIA CUDA® cores</a:t>
             </a:r>
           </a:p>
           <a:p>
             <a:pPr lvl="2"/>
             <a:r>
               <a:rPr lang="en-US" dirty="0"/>
-              <a:t>4 graphics processing cores</a:t>
+              <a:t>64 Tensor cores</a:t>
+            </a:r>
+          </a:p>
+          <a:p>
+            <a:pPr lvl="2"/>
+            <a:r>
+              <a:rPr lang="en-US" dirty="0"/>
+              <a:t>22 TOPS (INT8)</a:t>
             </a:r>
           </a:p>
           <a:p>
             <a:pPr lvl="1"/>
             <a:r>
               <a:rPr lang="en-US" dirty="0"/>
-              <a:t>NPU: 6 Tops AI computing power, empowering various AI scenarios</a:t>
+              <a:t>Deep Learning Accelerators: 2x NVDLA</a:t>
+            </a:r>
+          </a:p>
+          <a:p>
+            <a:pPr lvl="2"/>
+            <a:r>
+              <a:rPr lang="en-US" dirty="0"/>
+              <a:t>10 TOPS (INT8)</a:t>
             </a:r>
           </a:p>
           <a:p>
             <a:pPr lvl="1"/>
             <a:r>
               <a:rPr lang="en-US" dirty="0"/>
-              <a:t>RAM: 16 GB</a:t>
+              <a:t>RAM: 64 GB 256-bit LPDDR4x</a:t>
             </a:r>
           </a:p>
         </p:txBody>
